--- a/pre/uncertainty 师清.pptx
+++ b/pre/uncertainty 师清.pptx
@@ -22156,7 +22156,7 @@
         <p:spPr>
           <a:xfrm>
             <a:off x="712470" y="1104265"/>
-            <a:ext cx="10873740" cy="2061210"/>
+            <a:ext cx="10963275" cy="2306955"/>
           </a:xfrm>
           <a:prstGeom prst="rect">
             <a:avLst/>
@@ -22221,7 +22221,7 @@
               <a:rPr lang="zh-CN" altLang="en-US" sz="1600">
                 <a:sym typeface="+mn-ea"/>
               </a:rPr>
-              <a:t>一个深度模型包括</a:t>
+              <a:t>作者认为一个深度模型包括</a:t>
             </a:r>
             <a:r>
               <a:rPr lang="en-US" altLang="zh-CN" sz="1600">
@@ -22257,7 +22257,7 @@
               <a:rPr lang="zh-CN" altLang="en-US" sz="1600">
                 <a:sym typeface="+mn-ea"/>
               </a:rPr>
-              <a:t>，作者在论文中利用</a:t>
+              <a:t>，于是在论文中利用</a:t>
             </a:r>
             <a:r>
               <a:rPr lang="en-US" altLang="zh-CN" sz="1600">
@@ -22316,6 +22316,39 @@
               </a:rPr>
               <a:t>Spectral Normalization:</a:t>
             </a:r>
+            <a:r>
+              <a:rPr lang="zh-CN" altLang="en-US" sz="1600">
+                <a:sym typeface="+mn-ea"/>
+              </a:rPr>
+              <a:t>《SPECTRAL NORMALIZATION</a:t>
+            </a:r>
+            <a:r>
+              <a:rPr lang="en-US" altLang="zh-CN" sz="1600">
+                <a:sym typeface="+mn-ea"/>
+              </a:rPr>
+              <a:t> </a:t>
+            </a:r>
+            <a:r>
+              <a:rPr lang="zh-CN" altLang="en-US" sz="1600">
+                <a:sym typeface="+mn-ea"/>
+              </a:rPr>
+              <a:t>FOR GENERATIVE ADVERSARIAL NETWORKS》</a:t>
+            </a:r>
+            <a:r>
+              <a:rPr lang="en-US" altLang="zh-CN" sz="1600">
+                <a:sym typeface="+mn-ea"/>
+              </a:rPr>
+              <a:t>ICLR2018</a:t>
+            </a:r>
+            <a:endParaRPr lang="zh-CN" altLang="en-US" sz="1600">
+              <a:sym typeface="+mn-ea"/>
+            </a:endParaRPr>
+          </a:p>
+          <a:p>
+            <a:pPr marL="285750" indent="-285750">
+              <a:buFont typeface="Wingdings" panose="05000000000000000000" charset="0"/>
+              <a:buChar char=""/>
+            </a:pPr>
             <a:r>
               <a:rPr lang="zh-CN" altLang="en-US" sz="1600">
                 <a:sym typeface="+mn-ea"/>
@@ -22386,7 +22419,7 @@
         </p:blipFill>
         <p:spPr>
           <a:xfrm>
-            <a:off x="3347720" y="2878455"/>
+            <a:off x="3705860" y="3256280"/>
             <a:ext cx="2257425" cy="714375"/>
           </a:xfrm>
           <a:prstGeom prst="rect">
@@ -22399,16 +22432,12 @@
   <p:clrMapOvr>
     <a:masterClrMapping/>
   </p:clrMapOvr>
-  <mc:AlternateContent xmlns:mc="http://schemas.openxmlformats.org/markup-compatibility/2006" xmlns:p159="http://schemas.microsoft.com/office/powerpoint/2015/09/main">
-    <mc:Choice Requires="p159">
-      <p:transition xmlns:p14="http://schemas.microsoft.com/office/powerpoint/2010/main" spd="med">
-        <p159:morph option="byObject"/>
-      </p:transition>
+  <mc:AlternateContent xmlns:mc="http://schemas.openxmlformats.org/markup-compatibility/2006">
+    <mc:Choice xmlns:p14="http://schemas.microsoft.com/office/powerpoint/2010/main" Requires="p14">
+      <p:transition spd="slow" p14:dur="1000"/>
     </mc:Choice>
     <mc:Fallback>
-      <p:transition spd="med">
-        <p:fade/>
-      </p:transition>
+      <p:transition spd="slow"/>
     </mc:Fallback>
   </mc:AlternateContent>
 </p:sld>
